--- a/图/第四章/paper/CMFFU/新建 PPTX 演示文稿.pptx
+++ b/图/第四章/paper/CMFFU/新建 PPTX 演示文稿.pptx
@@ -2919,16 +2919,16 @@
       <p:grpSpPr/>
       <p:grpSp>
         <p:nvGrpSpPr>
-          <p:cNvPr id="2" name="组合 1"/>
+          <p:cNvPr id="10" name="组合 9"/>
           <p:cNvGrpSpPr/>
           <p:nvPr/>
         </p:nvGrpSpPr>
         <p:grpSpPr>
           <a:xfrm>
             <a:off x="138430" y="833120"/>
-            <a:ext cx="12052935" cy="5241290"/>
+            <a:ext cx="11163300" cy="5241290"/>
             <a:chOff x="218" y="1312"/>
-            <a:chExt cx="18981" cy="8254"/>
+            <a:chExt cx="17580" cy="8254"/>
           </a:xfrm>
         </p:grpSpPr>
         <p:sp>
@@ -13898,706 +13898,729 @@
             </a:p>
           </p:txBody>
         </p:sp>
-        <p:sp>
-          <p:nvSpPr>
-            <p:cNvPr id="557" name="矩形 556"/>
-            <p:cNvSpPr/>
-            <p:nvPr/>
-          </p:nvSpPr>
-          <p:spPr>
-            <a:xfrm rot="12540000">
-              <a:off x="16036" y="5017"/>
-              <a:ext cx="264" cy="303"/>
-            </a:xfrm>
-            <a:prstGeom prst="rect">
-              <a:avLst/>
-            </a:prstGeom>
-            <a:solidFill>
-              <a:schemeClr val="accent4">
-                <a:lumMod val="75000"/>
-              </a:schemeClr>
-            </a:solidFill>
-            <a:ln>
-              <a:solidFill>
-                <a:schemeClr val="accent5">
-                  <a:lumMod val="50000"/>
-                </a:schemeClr>
-              </a:solidFill>
-            </a:ln>
-            <a:effectLst/>
-            <a:scene3d>
-              <a:camera prst="isometricBottomDown"/>
-              <a:lightRig rig="threePt" dir="t"/>
-            </a:scene3d>
-          </p:spPr>
-          <p:style>
-            <a:lnRef idx="2">
-              <a:schemeClr val="accent1">
-                <a:lumMod val="75000"/>
-              </a:schemeClr>
-            </a:lnRef>
-            <a:fillRef idx="1">
-              <a:schemeClr val="accent1"/>
-            </a:fillRef>
-            <a:effectRef idx="0">
-              <a:srgbClr val="FFFFFF"/>
-            </a:effectRef>
-            <a:fontRef idx="minor">
-              <a:schemeClr val="lt1"/>
-            </a:fontRef>
-          </p:style>
-          <p:txBody>
-            <a:bodyPr rtlCol="0" anchor="ctr"/>
-            <a:p>
-              <a:pPr algn="ctr"/>
-              <a:endParaRPr lang="zh-CN" altLang="en-US"/>
-            </a:p>
-          </p:txBody>
-        </p:sp>
-        <p:sp>
-          <p:nvSpPr>
-            <p:cNvPr id="558" name="矩形 557"/>
-            <p:cNvSpPr/>
-            <p:nvPr/>
-          </p:nvSpPr>
-          <p:spPr>
-            <a:xfrm rot="12540000">
-              <a:off x="16036" y="4923"/>
-              <a:ext cx="264" cy="303"/>
-            </a:xfrm>
-            <a:prstGeom prst="rect">
-              <a:avLst/>
-            </a:prstGeom>
-            <a:solidFill>
-              <a:schemeClr val="accent4">
-                <a:lumMod val="40000"/>
-                <a:lumOff val="60000"/>
-              </a:schemeClr>
-            </a:solidFill>
-            <a:ln>
-              <a:solidFill>
-                <a:schemeClr val="accent5">
-                  <a:lumMod val="50000"/>
-                </a:schemeClr>
-              </a:solidFill>
-            </a:ln>
-            <a:effectLst/>
-            <a:scene3d>
-              <a:camera prst="isometricBottomDown"/>
-              <a:lightRig rig="threePt" dir="t"/>
-            </a:scene3d>
-          </p:spPr>
-          <p:style>
-            <a:lnRef idx="2">
-              <a:schemeClr val="accent1">
-                <a:lumMod val="75000"/>
-              </a:schemeClr>
-            </a:lnRef>
-            <a:fillRef idx="1">
-              <a:schemeClr val="accent1"/>
-            </a:fillRef>
-            <a:effectRef idx="0">
-              <a:srgbClr val="FFFFFF"/>
-            </a:effectRef>
-            <a:fontRef idx="minor">
-              <a:schemeClr val="lt1"/>
-            </a:fontRef>
-          </p:style>
-          <p:txBody>
-            <a:bodyPr rtlCol="0" anchor="ctr"/>
-            <a:p>
-              <a:pPr algn="ctr"/>
-              <a:endParaRPr lang="zh-CN" altLang="en-US"/>
-            </a:p>
-          </p:txBody>
-        </p:sp>
-        <p:sp>
-          <p:nvSpPr>
-            <p:cNvPr id="559" name="矩形 558"/>
-            <p:cNvSpPr/>
-            <p:nvPr/>
-          </p:nvSpPr>
-          <p:spPr>
-            <a:xfrm rot="12540000">
-              <a:off x="16002" y="4484"/>
-              <a:ext cx="263" cy="304"/>
-            </a:xfrm>
-            <a:prstGeom prst="rect">
-              <a:avLst/>
-            </a:prstGeom>
-            <a:solidFill>
-              <a:schemeClr val="accent3"/>
-            </a:solidFill>
-            <a:ln>
-              <a:solidFill>
-                <a:schemeClr val="accent5">
-                  <a:lumMod val="50000"/>
-                </a:schemeClr>
-              </a:solidFill>
-            </a:ln>
-            <a:effectLst/>
-            <a:scene3d>
-              <a:camera prst="isometricBottomDown"/>
-              <a:lightRig rig="threePt" dir="t"/>
-            </a:scene3d>
-          </p:spPr>
-          <p:style>
-            <a:lnRef idx="2">
-              <a:schemeClr val="accent1">
-                <a:lumMod val="75000"/>
-              </a:schemeClr>
-            </a:lnRef>
-            <a:fillRef idx="1">
-              <a:schemeClr val="accent1"/>
-            </a:fillRef>
-            <a:effectRef idx="0">
-              <a:srgbClr val="FFFFFF"/>
-            </a:effectRef>
-            <a:fontRef idx="minor">
-              <a:schemeClr val="lt1"/>
-            </a:fontRef>
-          </p:style>
-          <p:txBody>
-            <a:bodyPr rtlCol="0" anchor="ctr"/>
-            <a:p>
-              <a:pPr algn="ctr"/>
-              <a:endParaRPr lang="zh-CN" altLang="en-US"/>
-            </a:p>
-          </p:txBody>
-        </p:sp>
-        <p:sp>
-          <p:nvSpPr>
-            <p:cNvPr id="560" name="矩形 559"/>
-            <p:cNvSpPr/>
-            <p:nvPr/>
-          </p:nvSpPr>
-          <p:spPr>
-            <a:xfrm rot="12540000">
-              <a:off x="16002" y="4407"/>
-              <a:ext cx="263" cy="304"/>
-            </a:xfrm>
-            <a:prstGeom prst="rect">
-              <a:avLst/>
-            </a:prstGeom>
-            <a:solidFill>
-              <a:schemeClr val="accent2">
-                <a:lumMod val="20000"/>
-                <a:lumOff val="80000"/>
-              </a:schemeClr>
-            </a:solidFill>
-            <a:ln>
-              <a:solidFill>
-                <a:schemeClr val="accent5">
-                  <a:lumMod val="50000"/>
-                </a:schemeClr>
-              </a:solidFill>
-            </a:ln>
-            <a:effectLst/>
-            <a:scene3d>
-              <a:camera prst="isometricBottomDown"/>
-              <a:lightRig rig="threePt" dir="t"/>
-            </a:scene3d>
-          </p:spPr>
-          <p:style>
-            <a:lnRef idx="2">
-              <a:schemeClr val="accent1">
-                <a:lumMod val="75000"/>
-              </a:schemeClr>
-            </a:lnRef>
-            <a:fillRef idx="1">
-              <a:schemeClr val="accent1"/>
-            </a:fillRef>
-            <a:effectRef idx="0">
-              <a:srgbClr val="FFFFFF"/>
-            </a:effectRef>
-            <a:fontRef idx="minor">
-              <a:schemeClr val="lt1"/>
-            </a:fontRef>
-          </p:style>
-          <p:txBody>
-            <a:bodyPr rtlCol="0" anchor="ctr"/>
-            <a:p>
-              <a:pPr algn="ctr"/>
-              <a:endParaRPr lang="zh-CN" altLang="en-US"/>
-            </a:p>
-          </p:txBody>
-        </p:sp>
-        <p:sp>
-          <p:nvSpPr>
-            <p:cNvPr id="561" name="文本框 560"/>
-            <p:cNvSpPr txBox="1"/>
-            <p:nvPr/>
-          </p:nvSpPr>
-          <p:spPr>
+        <p:grpSp>
+          <p:nvGrpSpPr>
+            <p:cNvPr id="3" name="组合 2"/>
+            <p:cNvGrpSpPr/>
+            <p:nvPr/>
+          </p:nvGrpSpPr>
+          <p:grpSpPr>
             <a:xfrm>
-              <a:off x="16322" y="4288"/>
-              <a:ext cx="2074" cy="531"/>
-            </a:xfrm>
-            <a:prstGeom prst="rect">
-              <a:avLst/>
-            </a:prstGeom>
-            <a:noFill/>
-          </p:spPr>
-          <p:txBody>
-            <a:bodyPr wrap="square" rtlCol="0">
-              <a:spAutoFit/>
-            </a:bodyPr>
-            <a:p>
-              <a:r>
-                <a:rPr lang="en-US" altLang="zh-CN" sz="1600">
-                  <a:latin typeface="Times New Roman" panose="02020603050405020304" charset="0"/>
+              <a:off x="14914" y="4535"/>
+              <a:ext cx="2884" cy="2325"/>
+              <a:chOff x="15707" y="4328"/>
+              <a:chExt cx="2884" cy="2325"/>
+            </a:xfrm>
+          </p:grpSpPr>
+          <p:sp>
+            <p:nvSpPr>
+              <p:cNvPr id="557" name="矩形 556"/>
+              <p:cNvSpPr/>
+              <p:nvPr/>
+            </p:nvSpPr>
+            <p:spPr>
+              <a:xfrm rot="12540000">
+                <a:off x="16036" y="5017"/>
+                <a:ext cx="264" cy="303"/>
+              </a:xfrm>
+              <a:prstGeom prst="rect">
+                <a:avLst/>
+              </a:prstGeom>
+              <a:solidFill>
+                <a:schemeClr val="accent4">
+                  <a:lumMod val="75000"/>
+                </a:schemeClr>
+              </a:solidFill>
+              <a:ln>
+                <a:solidFill>
+                  <a:schemeClr val="accent5">
+                    <a:lumMod val="50000"/>
+                  </a:schemeClr>
+                </a:solidFill>
+              </a:ln>
+              <a:effectLst/>
+              <a:scene3d>
+                <a:camera prst="isometricBottomDown"/>
+                <a:lightRig rig="threePt" dir="t"/>
+              </a:scene3d>
+            </p:spPr>
+            <p:style>
+              <a:lnRef idx="2">
+                <a:schemeClr val="accent1">
+                  <a:lumMod val="75000"/>
+                </a:schemeClr>
+              </a:lnRef>
+              <a:fillRef idx="1">
+                <a:schemeClr val="accent1"/>
+              </a:fillRef>
+              <a:effectRef idx="0">
+                <a:srgbClr val="FFFFFF"/>
+              </a:effectRef>
+              <a:fontRef idx="minor">
+                <a:schemeClr val="lt1"/>
+              </a:fontRef>
+            </p:style>
+            <p:txBody>
+              <a:bodyPr rtlCol="0" anchor="ctr"/>
+              <a:p>
+                <a:pPr algn="ctr"/>
+                <a:endParaRPr lang="zh-CN" altLang="en-US"/>
+              </a:p>
+            </p:txBody>
+          </p:sp>
+          <p:sp>
+            <p:nvSpPr>
+              <p:cNvPr id="558" name="矩形 557"/>
+              <p:cNvSpPr/>
+              <p:nvPr/>
+            </p:nvSpPr>
+            <p:spPr>
+              <a:xfrm rot="12540000">
+                <a:off x="16036" y="4923"/>
+                <a:ext cx="264" cy="303"/>
+              </a:xfrm>
+              <a:prstGeom prst="rect">
+                <a:avLst/>
+              </a:prstGeom>
+              <a:solidFill>
+                <a:schemeClr val="accent4">
+                  <a:lumMod val="40000"/>
+                  <a:lumOff val="60000"/>
+                </a:schemeClr>
+              </a:solidFill>
+              <a:ln>
+                <a:solidFill>
+                  <a:schemeClr val="accent5">
+                    <a:lumMod val="50000"/>
+                  </a:schemeClr>
+                </a:solidFill>
+              </a:ln>
+              <a:effectLst/>
+              <a:scene3d>
+                <a:camera prst="isometricBottomDown"/>
+                <a:lightRig rig="threePt" dir="t"/>
+              </a:scene3d>
+            </p:spPr>
+            <p:style>
+              <a:lnRef idx="2">
+                <a:schemeClr val="accent1">
+                  <a:lumMod val="75000"/>
+                </a:schemeClr>
+              </a:lnRef>
+              <a:fillRef idx="1">
+                <a:schemeClr val="accent1"/>
+              </a:fillRef>
+              <a:effectRef idx="0">
+                <a:srgbClr val="FFFFFF"/>
+              </a:effectRef>
+              <a:fontRef idx="minor">
+                <a:schemeClr val="lt1"/>
+              </a:fontRef>
+            </p:style>
+            <p:txBody>
+              <a:bodyPr rtlCol="0" anchor="ctr"/>
+              <a:p>
+                <a:pPr algn="ctr"/>
+                <a:endParaRPr lang="zh-CN" altLang="en-US"/>
+              </a:p>
+            </p:txBody>
+          </p:sp>
+          <p:sp>
+            <p:nvSpPr>
+              <p:cNvPr id="559" name="矩形 558"/>
+              <p:cNvSpPr/>
+              <p:nvPr/>
+            </p:nvSpPr>
+            <p:spPr>
+              <a:xfrm rot="12540000">
+                <a:off x="16002" y="4484"/>
+                <a:ext cx="263" cy="304"/>
+              </a:xfrm>
+              <a:prstGeom prst="rect">
+                <a:avLst/>
+              </a:prstGeom>
+              <a:solidFill>
+                <a:schemeClr val="accent3"/>
+              </a:solidFill>
+              <a:ln>
+                <a:solidFill>
+                  <a:schemeClr val="accent5">
+                    <a:lumMod val="50000"/>
+                  </a:schemeClr>
+                </a:solidFill>
+              </a:ln>
+              <a:effectLst/>
+              <a:scene3d>
+                <a:camera prst="isometricBottomDown"/>
+                <a:lightRig rig="threePt" dir="t"/>
+              </a:scene3d>
+            </p:spPr>
+            <p:style>
+              <a:lnRef idx="2">
+                <a:schemeClr val="accent1">
+                  <a:lumMod val="75000"/>
+                </a:schemeClr>
+              </a:lnRef>
+              <a:fillRef idx="1">
+                <a:schemeClr val="accent1"/>
+              </a:fillRef>
+              <a:effectRef idx="0">
+                <a:srgbClr val="FFFFFF"/>
+              </a:effectRef>
+              <a:fontRef idx="minor">
+                <a:schemeClr val="lt1"/>
+              </a:fontRef>
+            </p:style>
+            <p:txBody>
+              <a:bodyPr rtlCol="0" anchor="ctr"/>
+              <a:p>
+                <a:pPr algn="ctr"/>
+                <a:endParaRPr lang="zh-CN" altLang="en-US"/>
+              </a:p>
+            </p:txBody>
+          </p:sp>
+          <p:sp>
+            <p:nvSpPr>
+              <p:cNvPr id="560" name="矩形 559"/>
+              <p:cNvSpPr/>
+              <p:nvPr/>
+            </p:nvSpPr>
+            <p:spPr>
+              <a:xfrm rot="12540000">
+                <a:off x="16002" y="4407"/>
+                <a:ext cx="263" cy="304"/>
+              </a:xfrm>
+              <a:prstGeom prst="rect">
+                <a:avLst/>
+              </a:prstGeom>
+              <a:solidFill>
+                <a:schemeClr val="accent2">
+                  <a:lumMod val="20000"/>
+                  <a:lumOff val="80000"/>
+                </a:schemeClr>
+              </a:solidFill>
+              <a:ln>
+                <a:solidFill>
+                  <a:schemeClr val="accent5">
+                    <a:lumMod val="50000"/>
+                  </a:schemeClr>
+                </a:solidFill>
+              </a:ln>
+              <a:effectLst/>
+              <a:scene3d>
+                <a:camera prst="isometricBottomDown"/>
+                <a:lightRig rig="threePt" dir="t"/>
+              </a:scene3d>
+            </p:spPr>
+            <p:style>
+              <a:lnRef idx="2">
+                <a:schemeClr val="accent1">
+                  <a:lumMod val="75000"/>
+                </a:schemeClr>
+              </a:lnRef>
+              <a:fillRef idx="1">
+                <a:schemeClr val="accent1"/>
+              </a:fillRef>
+              <a:effectRef idx="0">
+                <a:srgbClr val="FFFFFF"/>
+              </a:effectRef>
+              <a:fontRef idx="minor">
+                <a:schemeClr val="lt1"/>
+              </a:fontRef>
+            </p:style>
+            <p:txBody>
+              <a:bodyPr rtlCol="0" anchor="ctr"/>
+              <a:p>
+                <a:pPr algn="ctr"/>
+                <a:endParaRPr lang="zh-CN" altLang="en-US"/>
+              </a:p>
+            </p:txBody>
+          </p:sp>
+          <p:sp>
+            <p:nvSpPr>
+              <p:cNvPr id="561" name="文本框 560"/>
+              <p:cNvSpPr txBox="1"/>
+              <p:nvPr/>
+            </p:nvSpPr>
+            <p:spPr>
+              <a:xfrm>
+                <a:off x="16242" y="4328"/>
+                <a:ext cx="1398" cy="531"/>
+              </a:xfrm>
+              <a:prstGeom prst="rect">
+                <a:avLst/>
+              </a:prstGeom>
+              <a:noFill/>
+            </p:spPr>
+            <p:txBody>
+              <a:bodyPr wrap="square" rtlCol="0">
+                <a:spAutoFit/>
+              </a:bodyPr>
+              <a:p>
+                <a:r>
+                  <a:rPr lang="zh-CN" altLang="en-US" sz="1600">
+                    <a:latin typeface="黑体" panose="02010609060101010101" charset="-122"/>
+                    <a:ea typeface="黑体" panose="02010609060101010101" charset="-122"/>
+                    <a:cs typeface="Times New Roman" panose="02020603050405020304" charset="0"/>
+                  </a:rPr>
+                  <a:t>上采样</a:t>
+                </a:r>
+                <a:endParaRPr lang="zh-CN" altLang="en-US" sz="1600">
+                  <a:latin typeface="黑体" panose="02010609060101010101" charset="-122"/>
+                  <a:ea typeface="黑体" panose="02010609060101010101" charset="-122"/>
                   <a:cs typeface="Times New Roman" panose="02020603050405020304" charset="0"/>
-                </a:rPr>
-                <a:t>Upsampling</a:t>
-              </a:r>
-              <a:endParaRPr lang="en-US" altLang="zh-CN" sz="1600">
-                <a:latin typeface="Times New Roman" panose="02020603050405020304" charset="0"/>
-                <a:cs typeface="Times New Roman" panose="02020603050405020304" charset="0"/>
-              </a:endParaRPr>
-            </a:p>
-          </p:txBody>
-        </p:sp>
-        <p:sp>
-          <p:nvSpPr>
-            <p:cNvPr id="562" name="文本框 561"/>
-            <p:cNvSpPr txBox="1"/>
-            <p:nvPr/>
-          </p:nvSpPr>
-          <p:spPr>
-            <a:xfrm>
-              <a:off x="16322" y="4823"/>
-              <a:ext cx="2613" cy="531"/>
-            </a:xfrm>
-            <a:prstGeom prst="rect">
-              <a:avLst/>
-            </a:prstGeom>
-            <a:noFill/>
-          </p:spPr>
-          <p:txBody>
-            <a:bodyPr wrap="square" rtlCol="0">
-              <a:spAutoFit/>
-            </a:bodyPr>
-            <a:p>
-              <a:r>
-                <a:rPr lang="en-US" altLang="zh-CN" sz="1600">
-                  <a:latin typeface="Times New Roman" panose="02020603050405020304" charset="0"/>
+                </a:endParaRPr>
+              </a:p>
+            </p:txBody>
+          </p:sp>
+          <p:sp>
+            <p:nvSpPr>
+              <p:cNvPr id="562" name="文本框 561"/>
+              <p:cNvSpPr txBox="1"/>
+              <p:nvPr/>
+            </p:nvSpPr>
+            <p:spPr>
+              <a:xfrm>
+                <a:off x="16242" y="4859"/>
+                <a:ext cx="1398" cy="531"/>
+              </a:xfrm>
+              <a:prstGeom prst="rect">
+                <a:avLst/>
+              </a:prstGeom>
+              <a:noFill/>
+            </p:spPr>
+            <p:txBody>
+              <a:bodyPr wrap="square" rtlCol="0">
+                <a:spAutoFit/>
+              </a:bodyPr>
+              <a:p>
+                <a:r>
+                  <a:rPr lang="zh-CN" altLang="en-US" sz="1600">
+                    <a:latin typeface="黑体" panose="02010609060101010101" charset="-122"/>
+                    <a:ea typeface="黑体" panose="02010609060101010101" charset="-122"/>
+                    <a:cs typeface="Times New Roman" panose="02020603050405020304" charset="0"/>
+                  </a:rPr>
+                  <a:t>下采样</a:t>
+                </a:r>
+                <a:endParaRPr lang="zh-CN" altLang="en-US" sz="1600">
+                  <a:latin typeface="黑体" panose="02010609060101010101" charset="-122"/>
+                  <a:ea typeface="黑体" panose="02010609060101010101" charset="-122"/>
                   <a:cs typeface="Times New Roman" panose="02020603050405020304" charset="0"/>
-                </a:rPr>
-                <a:t>Downsampling</a:t>
-              </a:r>
-              <a:endParaRPr lang="en-US" altLang="zh-CN" sz="1600">
-                <a:latin typeface="Times New Roman" panose="02020603050405020304" charset="0"/>
-                <a:cs typeface="Times New Roman" panose="02020603050405020304" charset="0"/>
-              </a:endParaRPr>
-            </a:p>
-          </p:txBody>
-        </p:sp>
-        <p:sp>
-          <p:nvSpPr>
-            <p:cNvPr id="564" name="矩形 563"/>
-            <p:cNvSpPr/>
-            <p:nvPr/>
-          </p:nvSpPr>
-          <p:spPr>
-            <a:xfrm rot="10800000">
-              <a:off x="15707" y="6061"/>
-              <a:ext cx="615" cy="592"/>
-            </a:xfrm>
-            <a:prstGeom prst="rect">
-              <a:avLst/>
-            </a:prstGeom>
-            <a:solidFill>
-              <a:schemeClr val="bg1">
-                <a:lumMod val="95000"/>
-              </a:schemeClr>
-            </a:solidFill>
-            <a:ln>
-              <a:solidFill>
-                <a:schemeClr val="accent5">
-                  <a:lumMod val="50000"/>
-                </a:schemeClr>
-              </a:solidFill>
-            </a:ln>
-            <a:effectLst/>
-            <a:scene3d>
-              <a:camera prst="isometricBottomDown"/>
-              <a:lightRig rig="threePt" dir="t"/>
-            </a:scene3d>
-          </p:spPr>
-          <p:style>
-            <a:lnRef idx="2">
-              <a:schemeClr val="accent1">
-                <a:lumMod val="75000"/>
-              </a:schemeClr>
-            </a:lnRef>
-            <a:fillRef idx="1">
-              <a:schemeClr val="accent1"/>
-            </a:fillRef>
-            <a:effectRef idx="0">
-              <a:srgbClr val="FFFFFF"/>
-            </a:effectRef>
-            <a:fontRef idx="minor">
-              <a:schemeClr val="lt1"/>
-            </a:fontRef>
-          </p:style>
-          <p:txBody>
-            <a:bodyPr rtlCol="0" anchor="ctr"/>
-            <a:p>
-              <a:pPr algn="ctr"/>
-              <a:endParaRPr lang="zh-CN" altLang="en-US"/>
-            </a:p>
-          </p:txBody>
-        </p:sp>
-        <p:sp>
-          <p:nvSpPr>
-            <p:cNvPr id="565" name="矩形 564"/>
-            <p:cNvSpPr/>
-            <p:nvPr/>
-          </p:nvSpPr>
-          <p:spPr>
-            <a:xfrm rot="10800000">
-              <a:off x="15707" y="6008"/>
-              <a:ext cx="615" cy="592"/>
-            </a:xfrm>
-            <a:prstGeom prst="rect">
-              <a:avLst/>
-            </a:prstGeom>
-            <a:solidFill>
-              <a:schemeClr val="bg1">
-                <a:lumMod val="95000"/>
-              </a:schemeClr>
-            </a:solidFill>
-            <a:ln>
-              <a:solidFill>
-                <a:schemeClr val="accent5">
-                  <a:lumMod val="50000"/>
-                </a:schemeClr>
-              </a:solidFill>
-            </a:ln>
-            <a:effectLst/>
-            <a:scene3d>
-              <a:camera prst="isometricBottomDown"/>
-              <a:lightRig rig="threePt" dir="t"/>
-            </a:scene3d>
-          </p:spPr>
-          <p:style>
-            <a:lnRef idx="2">
-              <a:schemeClr val="accent1">
-                <a:lumMod val="75000"/>
-              </a:schemeClr>
-            </a:lnRef>
-            <a:fillRef idx="1">
-              <a:schemeClr val="accent1"/>
-            </a:fillRef>
-            <a:effectRef idx="0">
-              <a:srgbClr val="FFFFFF"/>
-            </a:effectRef>
-            <a:fontRef idx="minor">
-              <a:schemeClr val="lt1"/>
-            </a:fontRef>
-          </p:style>
-          <p:txBody>
-            <a:bodyPr rtlCol="0" anchor="ctr"/>
-            <a:p>
-              <a:pPr algn="ctr"/>
-              <a:endParaRPr lang="zh-CN" altLang="en-US"/>
-            </a:p>
-          </p:txBody>
-        </p:sp>
-        <p:sp>
-          <p:nvSpPr>
-            <p:cNvPr id="566" name="矩形 565"/>
-            <p:cNvSpPr/>
-            <p:nvPr/>
-          </p:nvSpPr>
-          <p:spPr>
-            <a:xfrm rot="10800000">
-              <a:off x="15707" y="5949"/>
-              <a:ext cx="615" cy="592"/>
-            </a:xfrm>
-            <a:prstGeom prst="rect">
-              <a:avLst/>
-            </a:prstGeom>
-            <a:solidFill>
-              <a:schemeClr val="bg1">
-                <a:lumMod val="95000"/>
-              </a:schemeClr>
-            </a:solidFill>
-            <a:ln>
-              <a:solidFill>
-                <a:schemeClr val="accent5">
-                  <a:lumMod val="50000"/>
-                </a:schemeClr>
-              </a:solidFill>
-            </a:ln>
-            <a:effectLst/>
-            <a:scene3d>
-              <a:camera prst="isometricBottomDown"/>
-              <a:lightRig rig="threePt" dir="t"/>
-            </a:scene3d>
-          </p:spPr>
-          <p:style>
-            <a:lnRef idx="2">
-              <a:schemeClr val="accent1">
-                <a:lumMod val="75000"/>
-              </a:schemeClr>
-            </a:lnRef>
-            <a:fillRef idx="1">
-              <a:schemeClr val="accent1"/>
-            </a:fillRef>
-            <a:effectRef idx="0">
-              <a:srgbClr val="FFFFFF"/>
-            </a:effectRef>
-            <a:fontRef idx="minor">
-              <a:schemeClr val="lt1"/>
-            </a:fontRef>
-          </p:style>
-          <p:txBody>
-            <a:bodyPr rtlCol="0" anchor="ctr"/>
-            <a:p>
-              <a:pPr algn="ctr"/>
-              <a:endParaRPr lang="zh-CN" altLang="en-US"/>
-            </a:p>
-          </p:txBody>
-        </p:sp>
-        <p:sp>
-          <p:nvSpPr>
-            <p:cNvPr id="567" name="矩形 566"/>
-            <p:cNvSpPr/>
-            <p:nvPr/>
-          </p:nvSpPr>
-          <p:spPr>
-            <a:xfrm rot="10800000">
-              <a:off x="15707" y="5811"/>
-              <a:ext cx="615" cy="592"/>
-            </a:xfrm>
-            <a:prstGeom prst="rect">
-              <a:avLst/>
-            </a:prstGeom>
-            <a:solidFill>
-              <a:schemeClr val="bg1">
-                <a:lumMod val="95000"/>
-              </a:schemeClr>
-            </a:solidFill>
-            <a:ln>
-              <a:solidFill>
-                <a:schemeClr val="accent5">
-                  <a:lumMod val="50000"/>
-                </a:schemeClr>
-              </a:solidFill>
-            </a:ln>
-            <a:effectLst/>
-            <a:scene3d>
-              <a:camera prst="isometricBottomDown"/>
-              <a:lightRig rig="threePt" dir="t"/>
-            </a:scene3d>
-          </p:spPr>
-          <p:style>
-            <a:lnRef idx="2">
-              <a:schemeClr val="accent1">
-                <a:lumMod val="75000"/>
-              </a:schemeClr>
-            </a:lnRef>
-            <a:fillRef idx="1">
-              <a:schemeClr val="accent1"/>
-            </a:fillRef>
-            <a:effectRef idx="0">
-              <a:srgbClr val="FFFFFF"/>
-            </a:effectRef>
-            <a:fontRef idx="minor">
-              <a:schemeClr val="lt1"/>
-            </a:fontRef>
-          </p:style>
-          <p:txBody>
-            <a:bodyPr rtlCol="0" anchor="ctr"/>
-            <a:p>
-              <a:pPr algn="ctr"/>
-              <a:endParaRPr lang="zh-CN" altLang="en-US"/>
-            </a:p>
-          </p:txBody>
-        </p:sp>
-        <p:sp>
-          <p:nvSpPr>
-            <p:cNvPr id="568" name="矩形 567"/>
-            <p:cNvSpPr/>
-            <p:nvPr/>
-          </p:nvSpPr>
-          <p:spPr>
-            <a:xfrm rot="10800000">
-              <a:off x="15707" y="5757"/>
-              <a:ext cx="615" cy="592"/>
-            </a:xfrm>
-            <a:prstGeom prst="rect">
-              <a:avLst/>
-            </a:prstGeom>
-            <a:solidFill>
-              <a:schemeClr val="bg1">
-                <a:lumMod val="95000"/>
-              </a:schemeClr>
-            </a:solidFill>
-            <a:ln>
-              <a:solidFill>
-                <a:schemeClr val="accent5">
-                  <a:lumMod val="50000"/>
-                </a:schemeClr>
-              </a:solidFill>
-            </a:ln>
-            <a:effectLst/>
-            <a:scene3d>
-              <a:camera prst="isometricBottomDown"/>
-              <a:lightRig rig="threePt" dir="t"/>
-            </a:scene3d>
-          </p:spPr>
-          <p:style>
-            <a:lnRef idx="2">
-              <a:schemeClr val="accent1">
-                <a:lumMod val="75000"/>
-              </a:schemeClr>
-            </a:lnRef>
-            <a:fillRef idx="1">
-              <a:schemeClr val="accent1"/>
-            </a:fillRef>
-            <a:effectRef idx="0">
-              <a:srgbClr val="FFFFFF"/>
-            </a:effectRef>
-            <a:fontRef idx="minor">
-              <a:schemeClr val="lt1"/>
-            </a:fontRef>
-          </p:style>
-          <p:txBody>
-            <a:bodyPr rtlCol="0" anchor="ctr"/>
-            <a:p>
-              <a:pPr algn="ctr"/>
-              <a:endParaRPr lang="zh-CN" altLang="en-US"/>
-            </a:p>
-          </p:txBody>
-        </p:sp>
-        <p:sp>
-          <p:nvSpPr>
-            <p:cNvPr id="569" name="矩形 568"/>
-            <p:cNvSpPr/>
-            <p:nvPr/>
-          </p:nvSpPr>
-          <p:spPr>
-            <a:xfrm rot="10800000">
-              <a:off x="15707" y="5699"/>
-              <a:ext cx="615" cy="592"/>
-            </a:xfrm>
-            <a:prstGeom prst="rect">
-              <a:avLst/>
-            </a:prstGeom>
-            <a:solidFill>
-              <a:schemeClr val="bg1">
-                <a:lumMod val="95000"/>
-              </a:schemeClr>
-            </a:solidFill>
-            <a:ln>
-              <a:solidFill>
-                <a:schemeClr val="accent5">
-                  <a:lumMod val="50000"/>
-                </a:schemeClr>
-              </a:solidFill>
-            </a:ln>
-            <a:effectLst/>
-            <a:scene3d>
-              <a:camera prst="isometricBottomDown"/>
-              <a:lightRig rig="threePt" dir="t"/>
-            </a:scene3d>
-          </p:spPr>
-          <p:style>
-            <a:lnRef idx="2">
-              <a:schemeClr val="accent1">
-                <a:lumMod val="75000"/>
-              </a:schemeClr>
-            </a:lnRef>
-            <a:fillRef idx="1">
-              <a:schemeClr val="accent1"/>
-            </a:fillRef>
-            <a:effectRef idx="0">
-              <a:srgbClr val="FFFFFF"/>
-            </a:effectRef>
-            <a:fontRef idx="minor">
-              <a:schemeClr val="lt1"/>
-            </a:fontRef>
-          </p:style>
-          <p:txBody>
-            <a:bodyPr rtlCol="0" anchor="ctr"/>
-            <a:p>
-              <a:pPr algn="ctr"/>
-              <a:endParaRPr lang="zh-CN" altLang="en-US"/>
-            </a:p>
-          </p:txBody>
-        </p:sp>
-        <p:sp>
-          <p:nvSpPr>
-            <p:cNvPr id="570" name="文本框 569"/>
-            <p:cNvSpPr txBox="1"/>
-            <p:nvPr/>
-          </p:nvSpPr>
-          <p:spPr>
-            <a:xfrm>
-              <a:off x="16357" y="5699"/>
-              <a:ext cx="2613" cy="531"/>
-            </a:xfrm>
-            <a:prstGeom prst="rect">
-              <a:avLst/>
-            </a:prstGeom>
-            <a:noFill/>
-          </p:spPr>
-          <p:txBody>
-            <a:bodyPr wrap="square" rtlCol="0">
-              <a:spAutoFit/>
-            </a:bodyPr>
-            <a:p>
-              <a:r>
-                <a:rPr lang="en-US" altLang="zh-CN" sz="1600">
-                  <a:latin typeface="Times New Roman" panose="02020603050405020304" charset="0"/>
+                </a:endParaRPr>
+              </a:p>
+            </p:txBody>
+          </p:sp>
+          <p:sp>
+            <p:nvSpPr>
+              <p:cNvPr id="564" name="矩形 563"/>
+              <p:cNvSpPr/>
+              <p:nvPr/>
+            </p:nvSpPr>
+            <p:spPr>
+              <a:xfrm rot="10800000">
+                <a:off x="15707" y="6061"/>
+                <a:ext cx="615" cy="592"/>
+              </a:xfrm>
+              <a:prstGeom prst="rect">
+                <a:avLst/>
+              </a:prstGeom>
+              <a:solidFill>
+                <a:schemeClr val="bg1">
+                  <a:lumMod val="95000"/>
+                </a:schemeClr>
+              </a:solidFill>
+              <a:ln>
+                <a:solidFill>
+                  <a:schemeClr val="accent5">
+                    <a:lumMod val="50000"/>
+                  </a:schemeClr>
+                </a:solidFill>
+              </a:ln>
+              <a:effectLst/>
+              <a:scene3d>
+                <a:camera prst="isometricBottomDown"/>
+                <a:lightRig rig="threePt" dir="t"/>
+              </a:scene3d>
+            </p:spPr>
+            <p:style>
+              <a:lnRef idx="2">
+                <a:schemeClr val="accent1">
+                  <a:lumMod val="75000"/>
+                </a:schemeClr>
+              </a:lnRef>
+              <a:fillRef idx="1">
+                <a:schemeClr val="accent1"/>
+              </a:fillRef>
+              <a:effectRef idx="0">
+                <a:srgbClr val="FFFFFF"/>
+              </a:effectRef>
+              <a:fontRef idx="minor">
+                <a:schemeClr val="lt1"/>
+              </a:fontRef>
+            </p:style>
+            <p:txBody>
+              <a:bodyPr rtlCol="0" anchor="ctr"/>
+              <a:p>
+                <a:pPr algn="ctr"/>
+                <a:endParaRPr lang="zh-CN" altLang="en-US"/>
+              </a:p>
+            </p:txBody>
+          </p:sp>
+          <p:sp>
+            <p:nvSpPr>
+              <p:cNvPr id="565" name="矩形 564"/>
+              <p:cNvSpPr/>
+              <p:nvPr/>
+            </p:nvSpPr>
+            <p:spPr>
+              <a:xfrm rot="10800000">
+                <a:off x="15707" y="6008"/>
+                <a:ext cx="615" cy="592"/>
+              </a:xfrm>
+              <a:prstGeom prst="rect">
+                <a:avLst/>
+              </a:prstGeom>
+              <a:solidFill>
+                <a:schemeClr val="bg1">
+                  <a:lumMod val="95000"/>
+                </a:schemeClr>
+              </a:solidFill>
+              <a:ln>
+                <a:solidFill>
+                  <a:schemeClr val="accent5">
+                    <a:lumMod val="50000"/>
+                  </a:schemeClr>
+                </a:solidFill>
+              </a:ln>
+              <a:effectLst/>
+              <a:scene3d>
+                <a:camera prst="isometricBottomDown"/>
+                <a:lightRig rig="threePt" dir="t"/>
+              </a:scene3d>
+            </p:spPr>
+            <p:style>
+              <a:lnRef idx="2">
+                <a:schemeClr val="accent1">
+                  <a:lumMod val="75000"/>
+                </a:schemeClr>
+              </a:lnRef>
+              <a:fillRef idx="1">
+                <a:schemeClr val="accent1"/>
+              </a:fillRef>
+              <a:effectRef idx="0">
+                <a:srgbClr val="FFFFFF"/>
+              </a:effectRef>
+              <a:fontRef idx="minor">
+                <a:schemeClr val="lt1"/>
+              </a:fontRef>
+            </p:style>
+            <p:txBody>
+              <a:bodyPr rtlCol="0" anchor="ctr"/>
+              <a:p>
+                <a:pPr algn="ctr"/>
+                <a:endParaRPr lang="zh-CN" altLang="en-US"/>
+              </a:p>
+            </p:txBody>
+          </p:sp>
+          <p:sp>
+            <p:nvSpPr>
+              <p:cNvPr id="566" name="矩形 565"/>
+              <p:cNvSpPr/>
+              <p:nvPr/>
+            </p:nvSpPr>
+            <p:spPr>
+              <a:xfrm rot="10800000">
+                <a:off x="15707" y="5949"/>
+                <a:ext cx="615" cy="592"/>
+              </a:xfrm>
+              <a:prstGeom prst="rect">
+                <a:avLst/>
+              </a:prstGeom>
+              <a:solidFill>
+                <a:schemeClr val="bg1">
+                  <a:lumMod val="95000"/>
+                </a:schemeClr>
+              </a:solidFill>
+              <a:ln>
+                <a:solidFill>
+                  <a:schemeClr val="accent5">
+                    <a:lumMod val="50000"/>
+                  </a:schemeClr>
+                </a:solidFill>
+              </a:ln>
+              <a:effectLst/>
+              <a:scene3d>
+                <a:camera prst="isometricBottomDown"/>
+                <a:lightRig rig="threePt" dir="t"/>
+              </a:scene3d>
+            </p:spPr>
+            <p:style>
+              <a:lnRef idx="2">
+                <a:schemeClr val="accent1">
+                  <a:lumMod val="75000"/>
+                </a:schemeClr>
+              </a:lnRef>
+              <a:fillRef idx="1">
+                <a:schemeClr val="accent1"/>
+              </a:fillRef>
+              <a:effectRef idx="0">
+                <a:srgbClr val="FFFFFF"/>
+              </a:effectRef>
+              <a:fontRef idx="minor">
+                <a:schemeClr val="lt1"/>
+              </a:fontRef>
+            </p:style>
+            <p:txBody>
+              <a:bodyPr rtlCol="0" anchor="ctr"/>
+              <a:p>
+                <a:pPr algn="ctr"/>
+                <a:endParaRPr lang="zh-CN" altLang="en-US"/>
+              </a:p>
+            </p:txBody>
+          </p:sp>
+          <p:sp>
+            <p:nvSpPr>
+              <p:cNvPr id="567" name="矩形 566"/>
+              <p:cNvSpPr/>
+              <p:nvPr/>
+            </p:nvSpPr>
+            <p:spPr>
+              <a:xfrm rot="10800000">
+                <a:off x="15707" y="5811"/>
+                <a:ext cx="615" cy="592"/>
+              </a:xfrm>
+              <a:prstGeom prst="rect">
+                <a:avLst/>
+              </a:prstGeom>
+              <a:solidFill>
+                <a:schemeClr val="bg1">
+                  <a:lumMod val="95000"/>
+                </a:schemeClr>
+              </a:solidFill>
+              <a:ln>
+                <a:solidFill>
+                  <a:schemeClr val="accent5">
+                    <a:lumMod val="50000"/>
+                  </a:schemeClr>
+                </a:solidFill>
+              </a:ln>
+              <a:effectLst/>
+              <a:scene3d>
+                <a:camera prst="isometricBottomDown"/>
+                <a:lightRig rig="threePt" dir="t"/>
+              </a:scene3d>
+            </p:spPr>
+            <p:style>
+              <a:lnRef idx="2">
+                <a:schemeClr val="accent1">
+                  <a:lumMod val="75000"/>
+                </a:schemeClr>
+              </a:lnRef>
+              <a:fillRef idx="1">
+                <a:schemeClr val="accent1"/>
+              </a:fillRef>
+              <a:effectRef idx="0">
+                <a:srgbClr val="FFFFFF"/>
+              </a:effectRef>
+              <a:fontRef idx="minor">
+                <a:schemeClr val="lt1"/>
+              </a:fontRef>
+            </p:style>
+            <p:txBody>
+              <a:bodyPr rtlCol="0" anchor="ctr"/>
+              <a:p>
+                <a:pPr algn="ctr"/>
+                <a:endParaRPr lang="zh-CN" altLang="en-US"/>
+              </a:p>
+            </p:txBody>
+          </p:sp>
+          <p:sp>
+            <p:nvSpPr>
+              <p:cNvPr id="568" name="矩形 567"/>
+              <p:cNvSpPr/>
+              <p:nvPr/>
+            </p:nvSpPr>
+            <p:spPr>
+              <a:xfrm rot="10800000">
+                <a:off x="15707" y="5757"/>
+                <a:ext cx="615" cy="592"/>
+              </a:xfrm>
+              <a:prstGeom prst="rect">
+                <a:avLst/>
+              </a:prstGeom>
+              <a:solidFill>
+                <a:schemeClr val="bg1">
+                  <a:lumMod val="95000"/>
+                </a:schemeClr>
+              </a:solidFill>
+              <a:ln>
+                <a:solidFill>
+                  <a:schemeClr val="accent5">
+                    <a:lumMod val="50000"/>
+                  </a:schemeClr>
+                </a:solidFill>
+              </a:ln>
+              <a:effectLst/>
+              <a:scene3d>
+                <a:camera prst="isometricBottomDown"/>
+                <a:lightRig rig="threePt" dir="t"/>
+              </a:scene3d>
+            </p:spPr>
+            <p:style>
+              <a:lnRef idx="2">
+                <a:schemeClr val="accent1">
+                  <a:lumMod val="75000"/>
+                </a:schemeClr>
+              </a:lnRef>
+              <a:fillRef idx="1">
+                <a:schemeClr val="accent1"/>
+              </a:fillRef>
+              <a:effectRef idx="0">
+                <a:srgbClr val="FFFFFF"/>
+              </a:effectRef>
+              <a:fontRef idx="minor">
+                <a:schemeClr val="lt1"/>
+              </a:fontRef>
+            </p:style>
+            <p:txBody>
+              <a:bodyPr rtlCol="0" anchor="ctr"/>
+              <a:p>
+                <a:pPr algn="ctr"/>
+                <a:endParaRPr lang="zh-CN" altLang="en-US"/>
+              </a:p>
+            </p:txBody>
+          </p:sp>
+          <p:sp>
+            <p:nvSpPr>
+              <p:cNvPr id="569" name="矩形 568"/>
+              <p:cNvSpPr/>
+              <p:nvPr/>
+            </p:nvSpPr>
+            <p:spPr>
+              <a:xfrm rot="10800000">
+                <a:off x="15707" y="5699"/>
+                <a:ext cx="615" cy="592"/>
+              </a:xfrm>
+              <a:prstGeom prst="rect">
+                <a:avLst/>
+              </a:prstGeom>
+              <a:solidFill>
+                <a:schemeClr val="bg1">
+                  <a:lumMod val="95000"/>
+                </a:schemeClr>
+              </a:solidFill>
+              <a:ln>
+                <a:solidFill>
+                  <a:schemeClr val="accent5">
+                    <a:lumMod val="50000"/>
+                  </a:schemeClr>
+                </a:solidFill>
+              </a:ln>
+              <a:effectLst/>
+              <a:scene3d>
+                <a:camera prst="isometricBottomDown"/>
+                <a:lightRig rig="threePt" dir="t"/>
+              </a:scene3d>
+            </p:spPr>
+            <p:style>
+              <a:lnRef idx="2">
+                <a:schemeClr val="accent1">
+                  <a:lumMod val="75000"/>
+                </a:schemeClr>
+              </a:lnRef>
+              <a:fillRef idx="1">
+                <a:schemeClr val="accent1"/>
+              </a:fillRef>
+              <a:effectRef idx="0">
+                <a:srgbClr val="FFFFFF"/>
+              </a:effectRef>
+              <a:fontRef idx="minor">
+                <a:schemeClr val="lt1"/>
+              </a:fontRef>
+            </p:style>
+            <p:txBody>
+              <a:bodyPr rtlCol="0" anchor="ctr"/>
+              <a:p>
+                <a:pPr algn="ctr"/>
+                <a:endParaRPr lang="zh-CN" altLang="en-US"/>
+              </a:p>
+            </p:txBody>
+          </p:sp>
+          <p:sp>
+            <p:nvSpPr>
+              <p:cNvPr id="570" name="文本框 569"/>
+              <p:cNvSpPr txBox="1"/>
+              <p:nvPr/>
+            </p:nvSpPr>
+            <p:spPr>
+              <a:xfrm>
+                <a:off x="16357" y="5623"/>
+                <a:ext cx="2234" cy="531"/>
+              </a:xfrm>
+              <a:prstGeom prst="rect">
+                <a:avLst/>
+              </a:prstGeom>
+              <a:noFill/>
+            </p:spPr>
+            <p:txBody>
+              <a:bodyPr wrap="square" rtlCol="0">
+                <a:spAutoFit/>
+              </a:bodyPr>
+              <a:p>
+                <a:r>
+                  <a:rPr lang="zh-CN" altLang="en-US" sz="1600">
+                    <a:latin typeface="黑体" panose="02010609060101010101" charset="-122"/>
+                    <a:ea typeface="黑体" panose="02010609060101010101" charset="-122"/>
+                    <a:cs typeface="Times New Roman" panose="02020603050405020304" charset="0"/>
+                  </a:rPr>
+                  <a:t>实部特征映射</a:t>
+                </a:r>
+                <a:endParaRPr lang="zh-CN" altLang="en-US" sz="1600">
+                  <a:latin typeface="黑体" panose="02010609060101010101" charset="-122"/>
+                  <a:ea typeface="黑体" panose="02010609060101010101" charset="-122"/>
                   <a:cs typeface="Times New Roman" panose="02020603050405020304" charset="0"/>
-                </a:rPr>
-                <a:t>Real feature maps</a:t>
-              </a:r>
-              <a:endParaRPr lang="en-US" altLang="zh-CN" sz="1600">
-                <a:latin typeface="Times New Roman" panose="02020603050405020304" charset="0"/>
-                <a:cs typeface="Times New Roman" panose="02020603050405020304" charset="0"/>
-              </a:endParaRPr>
-            </a:p>
-          </p:txBody>
-        </p:sp>
-        <p:sp>
-          <p:nvSpPr>
-            <p:cNvPr id="573" name="文本框 572"/>
-            <p:cNvSpPr txBox="1"/>
-            <p:nvPr/>
-          </p:nvSpPr>
-          <p:spPr>
-            <a:xfrm>
-              <a:off x="16357" y="6061"/>
-              <a:ext cx="2843" cy="531"/>
-            </a:xfrm>
-            <a:prstGeom prst="rect">
-              <a:avLst/>
-            </a:prstGeom>
-            <a:noFill/>
-          </p:spPr>
-          <p:txBody>
-            <a:bodyPr wrap="square" rtlCol="0">
-              <a:spAutoFit/>
-            </a:bodyPr>
-            <a:p>
-              <a:r>
-                <a:rPr lang="en-US" altLang="zh-CN" sz="1600">
-                  <a:latin typeface="Times New Roman" panose="02020603050405020304" charset="0"/>
+                </a:endParaRPr>
+              </a:p>
+            </p:txBody>
+          </p:sp>
+          <p:sp>
+            <p:nvSpPr>
+              <p:cNvPr id="573" name="文本框 572"/>
+              <p:cNvSpPr txBox="1"/>
+              <p:nvPr/>
+            </p:nvSpPr>
+            <p:spPr>
+              <a:xfrm>
+                <a:off x="16357" y="6061"/>
+                <a:ext cx="2234" cy="531"/>
+              </a:xfrm>
+              <a:prstGeom prst="rect">
+                <a:avLst/>
+              </a:prstGeom>
+              <a:noFill/>
+            </p:spPr>
+            <p:txBody>
+              <a:bodyPr wrap="square" rtlCol="0">
+                <a:spAutoFit/>
+              </a:bodyPr>
+              <a:p>
+                <a:r>
+                  <a:rPr lang="zh-CN" altLang="en-US" sz="1600">
+                    <a:latin typeface="黑体" panose="02010609060101010101" charset="-122"/>
+                    <a:ea typeface="黑体" panose="02010609060101010101" charset="-122"/>
+                    <a:cs typeface="Times New Roman" panose="02020603050405020304" charset="0"/>
+                  </a:rPr>
+                  <a:t>虚部特征映射</a:t>
+                </a:r>
+                <a:endParaRPr lang="zh-CN" altLang="en-US" sz="1600">
+                  <a:latin typeface="黑体" panose="02010609060101010101" charset="-122"/>
+                  <a:ea typeface="黑体" panose="02010609060101010101" charset="-122"/>
                   <a:cs typeface="Times New Roman" panose="02020603050405020304" charset="0"/>
-                </a:rPr>
-                <a:t>Imag feature maps</a:t>
-              </a:r>
-              <a:endParaRPr lang="en-US" altLang="zh-CN" sz="1600">
-                <a:latin typeface="Times New Roman" panose="02020603050405020304" charset="0"/>
-                <a:cs typeface="Times New Roman" panose="02020603050405020304" charset="0"/>
-              </a:endParaRPr>
-            </a:p>
-          </p:txBody>
-        </p:sp>
+                </a:endParaRPr>
+              </a:p>
+            </p:txBody>
+          </p:sp>
+        </p:grpSp>
       </p:grpSp>
     </p:spTree>
   </p:cSld>
